--- a/My courses/Networks/Sesion3.pptx
+++ b/My courses/Networks/Sesion3.pptx
@@ -5724,16 +5724,11 @@
               <a:rPr lang="es-CO" dirty="0" smtClean="0"/>
               <a:t>¿Cómo funcionan los protocolos? Emisor y receptor.</a:t>
             </a:r>
-            <a:endParaRPr lang="es-CO" dirty="0" smtClean="0"/>
           </a:p>
           <a:p>
             <a:r>
               <a:rPr lang="es-CO" dirty="0" smtClean="0"/>
-              <a:t>Explique </a:t>
-            </a:r>
-            <a:r>
-              <a:rPr lang="es-CO" dirty="0" smtClean="0"/>
-              <a:t>el modelo de referencia OSI (capa 1-3)</a:t>
+              <a:t>Explique el modelo de referencia OSI (capa 1-3)</a:t>
             </a:r>
           </a:p>
           <a:p>
@@ -5743,18 +5738,19 @@
             </a:r>
             <a:r>
               <a:rPr lang="es-CO" dirty="0" smtClean="0"/>
-              <a:t>-7</a:t>
-            </a:r>
-            <a:r>
-              <a:rPr lang="es-CO" dirty="0" smtClean="0"/>
-              <a:t>)</a:t>
-            </a:r>
-          </a:p>
-          <a:p>
-            <a:r>
-              <a:rPr lang="es-CO" dirty="0" smtClean="0"/>
-              <a:t>Explique el modelo de referencia TCP/IP</a:t>
-            </a:r>
+              <a:t>-7)</a:t>
+            </a:r>
+          </a:p>
+          <a:p>
+            <a:r>
+              <a:rPr lang="es-CO" smtClean="0"/>
+              <a:t>Explique </a:t>
+            </a:r>
+            <a:r>
+              <a:rPr lang="es-CO" smtClean="0"/>
+              <a:t>TCP/IP</a:t>
+            </a:r>
+            <a:endParaRPr lang="es-CO" dirty="0" smtClean="0"/>
           </a:p>
           <a:p>
             <a:r>
@@ -6643,19 +6639,7 @@
                           <a:ea typeface="+mn-ea"/>
                           <a:cs typeface="+mn-cs"/>
                         </a:rPr>
-                        <a:t>A2. Leer del libro 2 las páginas </a:t>
-                      </a:r>
-                      <a:r>
-                        <a:rPr lang="es-MX" sz="1400" u="none" strike="noStrike" kern="1200" dirty="0" smtClean="0">
-                          <a:solidFill>
-                            <a:schemeClr val="dk1"/>
-                          </a:solidFill>
-                          <a:effectLst/>
-                          <a:latin typeface="+mn-lt"/>
-                          <a:ea typeface="+mn-ea"/>
-                          <a:cs typeface="+mn-cs"/>
-                        </a:rPr>
-                        <a:t>18-24 (opcional)</a:t>
+                        <a:t>A2. Leer del libro 2 las páginas 18-24 (opcional)</a:t>
                       </a:r>
                       <a:endParaRPr lang="es-MX" sz="1400" u="none" strike="noStrike" kern="1200" dirty="0">
                         <a:solidFill>
